--- a/ppt 16-9/0998.要依靠主.pptx
+++ b/ppt 16-9/0998.要依靠主.pptx
@@ -129,7 +129,7 @@
           <p:cNvPr id="2" name="标题 1">
             <a:extLst>
               <a:ext uri="{FF2B5EF4-FFF2-40B4-BE49-F238E27FC236}">
-                <a16:creationId xmlns:a16="http://schemas.microsoft.com/office/drawing/2014/main" id="{48798C4A-EC29-3DEB-7B5C-1B4330CF0C54}"/>
+                <a16:creationId xmlns:a16="http://schemas.microsoft.com/office/drawing/2014/main" id="{49E0B787-AF99-9779-895E-AA5A45B6B711}"/>
               </a:ext>
             </a:extLst>
           </p:cNvPr>
@@ -166,7 +166,7 @@
           <p:cNvPr id="3" name="副标题 2">
             <a:extLst>
               <a:ext uri="{FF2B5EF4-FFF2-40B4-BE49-F238E27FC236}">
-                <a16:creationId xmlns:a16="http://schemas.microsoft.com/office/drawing/2014/main" id="{11DB3329-2774-BDE5-7EB2-A43683C4DCF2}"/>
+                <a16:creationId xmlns:a16="http://schemas.microsoft.com/office/drawing/2014/main" id="{AF5DB4E2-5CE0-4DBB-A3A0-F59DA4CF9470}"/>
               </a:ext>
             </a:extLst>
           </p:cNvPr>
@@ -236,7 +236,7 @@
           <p:cNvPr id="4" name="日期占位符 3">
             <a:extLst>
               <a:ext uri="{FF2B5EF4-FFF2-40B4-BE49-F238E27FC236}">
-                <a16:creationId xmlns:a16="http://schemas.microsoft.com/office/drawing/2014/main" id="{479A0B97-F5EA-6047-2B6C-79D214EBD3F6}"/>
+                <a16:creationId xmlns:a16="http://schemas.microsoft.com/office/drawing/2014/main" id="{2474D5DC-6868-DA50-6668-67579477CA0D}"/>
               </a:ext>
             </a:extLst>
           </p:cNvPr>
@@ -252,7 +252,7 @@
           <a:bodyPr/>
           <a:lstStyle/>
           <a:p>
-            <a:fld id="{78E1C595-4D8D-4B05-83A3-491B09037803}" type="datetimeFigureOut">
+            <a:fld id="{2B7E610A-CD2C-4005-B08F-4673F6D8ACC2}" type="datetimeFigureOut">
               <a:rPr lang="zh-CN" altLang="en-US" smtClean="0"/>
               <a:t>2024/3/10</a:t>
             </a:fld>
@@ -265,7 +265,7 @@
           <p:cNvPr id="5" name="页脚占位符 4">
             <a:extLst>
               <a:ext uri="{FF2B5EF4-FFF2-40B4-BE49-F238E27FC236}">
-                <a16:creationId xmlns:a16="http://schemas.microsoft.com/office/drawing/2014/main" id="{83F94DCE-EF89-9F47-8527-10BBF08188E8}"/>
+                <a16:creationId xmlns:a16="http://schemas.microsoft.com/office/drawing/2014/main" id="{8240345F-44FB-7CD3-684B-D5F08362CB9C}"/>
               </a:ext>
             </a:extLst>
           </p:cNvPr>
@@ -290,7 +290,7 @@
           <p:cNvPr id="6" name="灯片编号占位符 5">
             <a:extLst>
               <a:ext uri="{FF2B5EF4-FFF2-40B4-BE49-F238E27FC236}">
-                <a16:creationId xmlns:a16="http://schemas.microsoft.com/office/drawing/2014/main" id="{CF5F10A8-55AF-A154-1880-F5D8CDBD92FB}"/>
+                <a16:creationId xmlns:a16="http://schemas.microsoft.com/office/drawing/2014/main" id="{0BA0FF77-9A9E-9CFE-16BA-920E92D0B06A}"/>
               </a:ext>
             </a:extLst>
           </p:cNvPr>
@@ -306,7 +306,7 @@
           <a:bodyPr/>
           <a:lstStyle/>
           <a:p>
-            <a:fld id="{77863851-7215-471C-95A5-C7978BC4121C}" type="slidenum">
+            <a:fld id="{46FA37C2-F056-480C-83F2-A5F5B8CB7157}" type="slidenum">
               <a:rPr lang="zh-CN" altLang="en-US" smtClean="0"/>
               <a:t>‹#›</a:t>
             </a:fld>
@@ -317,7 +317,7 @@
     </p:spTree>
     <p:extLst>
       <p:ext uri="{BB962C8B-B14F-4D97-AF65-F5344CB8AC3E}">
-        <p14:creationId xmlns:p14="http://schemas.microsoft.com/office/powerpoint/2010/main" val="3136915066"/>
+        <p14:creationId xmlns:p14="http://schemas.microsoft.com/office/powerpoint/2010/main" val="2369607649"/>
       </p:ext>
     </p:extLst>
   </p:cSld>
@@ -349,7 +349,7 @@
           <p:cNvPr id="2" name="标题 1">
             <a:extLst>
               <a:ext uri="{FF2B5EF4-FFF2-40B4-BE49-F238E27FC236}">
-                <a16:creationId xmlns:a16="http://schemas.microsoft.com/office/drawing/2014/main" id="{AB51A567-0DD3-7CB8-92A5-23530CA9DEBE}"/>
+                <a16:creationId xmlns:a16="http://schemas.microsoft.com/office/drawing/2014/main" id="{1F85A206-E8D5-3CA8-F39D-C94202832897}"/>
               </a:ext>
             </a:extLst>
           </p:cNvPr>
@@ -377,7 +377,7 @@
           <p:cNvPr id="3" name="竖排文字占位符 2">
             <a:extLst>
               <a:ext uri="{FF2B5EF4-FFF2-40B4-BE49-F238E27FC236}">
-                <a16:creationId xmlns:a16="http://schemas.microsoft.com/office/drawing/2014/main" id="{C01F1900-B5FD-EEC0-4D66-EEA2A788EB55}"/>
+                <a16:creationId xmlns:a16="http://schemas.microsoft.com/office/drawing/2014/main" id="{D913C5C9-C5AE-BC4B-13EE-2B604DE20F81}"/>
               </a:ext>
             </a:extLst>
           </p:cNvPr>
@@ -434,7 +434,7 @@
           <p:cNvPr id="4" name="日期占位符 3">
             <a:extLst>
               <a:ext uri="{FF2B5EF4-FFF2-40B4-BE49-F238E27FC236}">
-                <a16:creationId xmlns:a16="http://schemas.microsoft.com/office/drawing/2014/main" id="{51D2627B-F536-E68C-67BB-E0AEFE0E6EFE}"/>
+                <a16:creationId xmlns:a16="http://schemas.microsoft.com/office/drawing/2014/main" id="{8A8BC0AA-96F5-21BD-3AB5-88C4115E3C69}"/>
               </a:ext>
             </a:extLst>
           </p:cNvPr>
@@ -450,7 +450,7 @@
           <a:bodyPr/>
           <a:lstStyle/>
           <a:p>
-            <a:fld id="{78E1C595-4D8D-4B05-83A3-491B09037803}" type="datetimeFigureOut">
+            <a:fld id="{2B7E610A-CD2C-4005-B08F-4673F6D8ACC2}" type="datetimeFigureOut">
               <a:rPr lang="zh-CN" altLang="en-US" smtClean="0"/>
               <a:t>2024/3/10</a:t>
             </a:fld>
@@ -463,7 +463,7 @@
           <p:cNvPr id="5" name="页脚占位符 4">
             <a:extLst>
               <a:ext uri="{FF2B5EF4-FFF2-40B4-BE49-F238E27FC236}">
-                <a16:creationId xmlns:a16="http://schemas.microsoft.com/office/drawing/2014/main" id="{B1EF096F-1CB8-EB7E-2409-FA0901154D48}"/>
+                <a16:creationId xmlns:a16="http://schemas.microsoft.com/office/drawing/2014/main" id="{FCB18132-3114-A77E-1375-97DCCC0BDB66}"/>
               </a:ext>
             </a:extLst>
           </p:cNvPr>
@@ -488,7 +488,7 @@
           <p:cNvPr id="6" name="灯片编号占位符 5">
             <a:extLst>
               <a:ext uri="{FF2B5EF4-FFF2-40B4-BE49-F238E27FC236}">
-                <a16:creationId xmlns:a16="http://schemas.microsoft.com/office/drawing/2014/main" id="{CAB30865-4A2D-369E-4AE1-C9B74A634D76}"/>
+                <a16:creationId xmlns:a16="http://schemas.microsoft.com/office/drawing/2014/main" id="{8076D33C-3340-506D-3362-F6A2C5BEF745}"/>
               </a:ext>
             </a:extLst>
           </p:cNvPr>
@@ -504,7 +504,7 @@
           <a:bodyPr/>
           <a:lstStyle/>
           <a:p>
-            <a:fld id="{77863851-7215-471C-95A5-C7978BC4121C}" type="slidenum">
+            <a:fld id="{46FA37C2-F056-480C-83F2-A5F5B8CB7157}" type="slidenum">
               <a:rPr lang="zh-CN" altLang="en-US" smtClean="0"/>
               <a:t>‹#›</a:t>
             </a:fld>
@@ -515,7 +515,7 @@
     </p:spTree>
     <p:extLst>
       <p:ext uri="{BB962C8B-B14F-4D97-AF65-F5344CB8AC3E}">
-        <p14:creationId xmlns:p14="http://schemas.microsoft.com/office/powerpoint/2010/main" val="2217811859"/>
+        <p14:creationId xmlns:p14="http://schemas.microsoft.com/office/powerpoint/2010/main" val="354598694"/>
       </p:ext>
     </p:extLst>
   </p:cSld>
@@ -547,7 +547,7 @@
           <p:cNvPr id="2" name="竖排标题 1">
             <a:extLst>
               <a:ext uri="{FF2B5EF4-FFF2-40B4-BE49-F238E27FC236}">
-                <a16:creationId xmlns:a16="http://schemas.microsoft.com/office/drawing/2014/main" id="{266959FE-4B34-2752-B04B-881E83BC940A}"/>
+                <a16:creationId xmlns:a16="http://schemas.microsoft.com/office/drawing/2014/main" id="{50538130-0452-435C-57CA-D7A244FF6D11}"/>
               </a:ext>
             </a:extLst>
           </p:cNvPr>
@@ -580,7 +580,7 @@
           <p:cNvPr id="3" name="竖排文字占位符 2">
             <a:extLst>
               <a:ext uri="{FF2B5EF4-FFF2-40B4-BE49-F238E27FC236}">
-                <a16:creationId xmlns:a16="http://schemas.microsoft.com/office/drawing/2014/main" id="{605273FA-7B50-9B54-5D59-03A94F4FAEBB}"/>
+                <a16:creationId xmlns:a16="http://schemas.microsoft.com/office/drawing/2014/main" id="{3B75A5D5-A5F8-E1A5-1403-5E56E759F6D4}"/>
               </a:ext>
             </a:extLst>
           </p:cNvPr>
@@ -642,7 +642,7 @@
           <p:cNvPr id="4" name="日期占位符 3">
             <a:extLst>
               <a:ext uri="{FF2B5EF4-FFF2-40B4-BE49-F238E27FC236}">
-                <a16:creationId xmlns:a16="http://schemas.microsoft.com/office/drawing/2014/main" id="{EE235462-C712-8ED3-4FCF-98EBF5284F7F}"/>
+                <a16:creationId xmlns:a16="http://schemas.microsoft.com/office/drawing/2014/main" id="{55CB5AD4-51BD-9B57-BA75-CC67B71EED18}"/>
               </a:ext>
             </a:extLst>
           </p:cNvPr>
@@ -658,7 +658,7 @@
           <a:bodyPr/>
           <a:lstStyle/>
           <a:p>
-            <a:fld id="{78E1C595-4D8D-4B05-83A3-491B09037803}" type="datetimeFigureOut">
+            <a:fld id="{2B7E610A-CD2C-4005-B08F-4673F6D8ACC2}" type="datetimeFigureOut">
               <a:rPr lang="zh-CN" altLang="en-US" smtClean="0"/>
               <a:t>2024/3/10</a:t>
             </a:fld>
@@ -671,7 +671,7 @@
           <p:cNvPr id="5" name="页脚占位符 4">
             <a:extLst>
               <a:ext uri="{FF2B5EF4-FFF2-40B4-BE49-F238E27FC236}">
-                <a16:creationId xmlns:a16="http://schemas.microsoft.com/office/drawing/2014/main" id="{EFD9D336-EAF6-A6EE-BF3F-6A11B445F414}"/>
+                <a16:creationId xmlns:a16="http://schemas.microsoft.com/office/drawing/2014/main" id="{85734511-9114-73DF-1192-3FD2F3B8E086}"/>
               </a:ext>
             </a:extLst>
           </p:cNvPr>
@@ -696,7 +696,7 @@
           <p:cNvPr id="6" name="灯片编号占位符 5">
             <a:extLst>
               <a:ext uri="{FF2B5EF4-FFF2-40B4-BE49-F238E27FC236}">
-                <a16:creationId xmlns:a16="http://schemas.microsoft.com/office/drawing/2014/main" id="{83B3D70D-13DE-71A9-40D0-9A7F9CB6EFEC}"/>
+                <a16:creationId xmlns:a16="http://schemas.microsoft.com/office/drawing/2014/main" id="{44577ACD-14B8-526A-F959-2F1403CCF160}"/>
               </a:ext>
             </a:extLst>
           </p:cNvPr>
@@ -712,7 +712,7 @@
           <a:bodyPr/>
           <a:lstStyle/>
           <a:p>
-            <a:fld id="{77863851-7215-471C-95A5-C7978BC4121C}" type="slidenum">
+            <a:fld id="{46FA37C2-F056-480C-83F2-A5F5B8CB7157}" type="slidenum">
               <a:rPr lang="zh-CN" altLang="en-US" smtClean="0"/>
               <a:t>‹#›</a:t>
             </a:fld>
@@ -723,7 +723,7 @@
     </p:spTree>
     <p:extLst>
       <p:ext uri="{BB962C8B-B14F-4D97-AF65-F5344CB8AC3E}">
-        <p14:creationId xmlns:p14="http://schemas.microsoft.com/office/powerpoint/2010/main" val="1587137597"/>
+        <p14:creationId xmlns:p14="http://schemas.microsoft.com/office/powerpoint/2010/main" val="2910829096"/>
       </p:ext>
     </p:extLst>
   </p:cSld>
@@ -755,7 +755,7 @@
           <p:cNvPr id="2" name="标题 1">
             <a:extLst>
               <a:ext uri="{FF2B5EF4-FFF2-40B4-BE49-F238E27FC236}">
-                <a16:creationId xmlns:a16="http://schemas.microsoft.com/office/drawing/2014/main" id="{2B16E48D-8846-44B2-1DA2-1FDF628024B4}"/>
+                <a16:creationId xmlns:a16="http://schemas.microsoft.com/office/drawing/2014/main" id="{32ECAD58-941D-89C8-CC9C-9C4701C4538A}"/>
               </a:ext>
             </a:extLst>
           </p:cNvPr>
@@ -783,7 +783,7 @@
           <p:cNvPr id="3" name="内容占位符 2">
             <a:extLst>
               <a:ext uri="{FF2B5EF4-FFF2-40B4-BE49-F238E27FC236}">
-                <a16:creationId xmlns:a16="http://schemas.microsoft.com/office/drawing/2014/main" id="{AEA3B4D9-9191-654F-13F3-CAA07807C0C3}"/>
+                <a16:creationId xmlns:a16="http://schemas.microsoft.com/office/drawing/2014/main" id="{569980C3-B9D3-B92B-5C28-93AE13DF80E1}"/>
               </a:ext>
             </a:extLst>
           </p:cNvPr>
@@ -840,7 +840,7 @@
           <p:cNvPr id="4" name="日期占位符 3">
             <a:extLst>
               <a:ext uri="{FF2B5EF4-FFF2-40B4-BE49-F238E27FC236}">
-                <a16:creationId xmlns:a16="http://schemas.microsoft.com/office/drawing/2014/main" id="{92AD59FD-2AF1-5DA2-803F-011D394B6163}"/>
+                <a16:creationId xmlns:a16="http://schemas.microsoft.com/office/drawing/2014/main" id="{B16150B0-0677-7CBD-1E7A-BA57DADDE313}"/>
               </a:ext>
             </a:extLst>
           </p:cNvPr>
@@ -856,7 +856,7 @@
           <a:bodyPr/>
           <a:lstStyle/>
           <a:p>
-            <a:fld id="{78E1C595-4D8D-4B05-83A3-491B09037803}" type="datetimeFigureOut">
+            <a:fld id="{2B7E610A-CD2C-4005-B08F-4673F6D8ACC2}" type="datetimeFigureOut">
               <a:rPr lang="zh-CN" altLang="en-US" smtClean="0"/>
               <a:t>2024/3/10</a:t>
             </a:fld>
@@ -869,7 +869,7 @@
           <p:cNvPr id="5" name="页脚占位符 4">
             <a:extLst>
               <a:ext uri="{FF2B5EF4-FFF2-40B4-BE49-F238E27FC236}">
-                <a16:creationId xmlns:a16="http://schemas.microsoft.com/office/drawing/2014/main" id="{EAF31388-99C8-FBC3-C2E7-815C92F7AB5D}"/>
+                <a16:creationId xmlns:a16="http://schemas.microsoft.com/office/drawing/2014/main" id="{6C090685-BEB8-DAAC-4FB2-6843D0F34F7A}"/>
               </a:ext>
             </a:extLst>
           </p:cNvPr>
@@ -894,7 +894,7 @@
           <p:cNvPr id="6" name="灯片编号占位符 5">
             <a:extLst>
               <a:ext uri="{FF2B5EF4-FFF2-40B4-BE49-F238E27FC236}">
-                <a16:creationId xmlns:a16="http://schemas.microsoft.com/office/drawing/2014/main" id="{D7CBA731-AAD4-D3C7-9237-510D58006CAA}"/>
+                <a16:creationId xmlns:a16="http://schemas.microsoft.com/office/drawing/2014/main" id="{11D34BFD-4276-9788-8CAB-BA8FFC1F576D}"/>
               </a:ext>
             </a:extLst>
           </p:cNvPr>
@@ -910,7 +910,7 @@
           <a:bodyPr/>
           <a:lstStyle/>
           <a:p>
-            <a:fld id="{77863851-7215-471C-95A5-C7978BC4121C}" type="slidenum">
+            <a:fld id="{46FA37C2-F056-480C-83F2-A5F5B8CB7157}" type="slidenum">
               <a:rPr lang="zh-CN" altLang="en-US" smtClean="0"/>
               <a:t>‹#›</a:t>
             </a:fld>
@@ -921,7 +921,7 @@
     </p:spTree>
     <p:extLst>
       <p:ext uri="{BB962C8B-B14F-4D97-AF65-F5344CB8AC3E}">
-        <p14:creationId xmlns:p14="http://schemas.microsoft.com/office/powerpoint/2010/main" val="352311145"/>
+        <p14:creationId xmlns:p14="http://schemas.microsoft.com/office/powerpoint/2010/main" val="3556890132"/>
       </p:ext>
     </p:extLst>
   </p:cSld>
@@ -953,7 +953,7 @@
           <p:cNvPr id="2" name="标题 1">
             <a:extLst>
               <a:ext uri="{FF2B5EF4-FFF2-40B4-BE49-F238E27FC236}">
-                <a16:creationId xmlns:a16="http://schemas.microsoft.com/office/drawing/2014/main" id="{782A3F16-5E0B-502D-AACF-4E1C9A77F7C0}"/>
+                <a16:creationId xmlns:a16="http://schemas.microsoft.com/office/drawing/2014/main" id="{CFDA4DFB-4160-1E40-FB3B-CCFC553D2843}"/>
               </a:ext>
             </a:extLst>
           </p:cNvPr>
@@ -990,7 +990,7 @@
           <p:cNvPr id="3" name="文本占位符 2">
             <a:extLst>
               <a:ext uri="{FF2B5EF4-FFF2-40B4-BE49-F238E27FC236}">
-                <a16:creationId xmlns:a16="http://schemas.microsoft.com/office/drawing/2014/main" id="{D786BAEC-2BB9-254D-800A-F5C7253DCDEB}"/>
+                <a16:creationId xmlns:a16="http://schemas.microsoft.com/office/drawing/2014/main" id="{63C33FCD-23E5-F569-34F3-4267920CA73F}"/>
               </a:ext>
             </a:extLst>
           </p:cNvPr>
@@ -1115,7 +1115,7 @@
           <p:cNvPr id="4" name="日期占位符 3">
             <a:extLst>
               <a:ext uri="{FF2B5EF4-FFF2-40B4-BE49-F238E27FC236}">
-                <a16:creationId xmlns:a16="http://schemas.microsoft.com/office/drawing/2014/main" id="{9E9D46BF-9FD7-BCD9-6994-879FCF3C1CF4}"/>
+                <a16:creationId xmlns:a16="http://schemas.microsoft.com/office/drawing/2014/main" id="{AF32B24E-26C3-7AEB-C34A-EB514A2815AB}"/>
               </a:ext>
             </a:extLst>
           </p:cNvPr>
@@ -1131,7 +1131,7 @@
           <a:bodyPr/>
           <a:lstStyle/>
           <a:p>
-            <a:fld id="{78E1C595-4D8D-4B05-83A3-491B09037803}" type="datetimeFigureOut">
+            <a:fld id="{2B7E610A-CD2C-4005-B08F-4673F6D8ACC2}" type="datetimeFigureOut">
               <a:rPr lang="zh-CN" altLang="en-US" smtClean="0"/>
               <a:t>2024/3/10</a:t>
             </a:fld>
@@ -1144,7 +1144,7 @@
           <p:cNvPr id="5" name="页脚占位符 4">
             <a:extLst>
               <a:ext uri="{FF2B5EF4-FFF2-40B4-BE49-F238E27FC236}">
-                <a16:creationId xmlns:a16="http://schemas.microsoft.com/office/drawing/2014/main" id="{D194CA12-0168-93C8-CA09-F5A52B1F3077}"/>
+                <a16:creationId xmlns:a16="http://schemas.microsoft.com/office/drawing/2014/main" id="{72B2AC7A-16AA-991A-815E-EBED51A785B8}"/>
               </a:ext>
             </a:extLst>
           </p:cNvPr>
@@ -1169,7 +1169,7 @@
           <p:cNvPr id="6" name="灯片编号占位符 5">
             <a:extLst>
               <a:ext uri="{FF2B5EF4-FFF2-40B4-BE49-F238E27FC236}">
-                <a16:creationId xmlns:a16="http://schemas.microsoft.com/office/drawing/2014/main" id="{39D1D4D9-FA99-3B7E-8F56-61C7E501C290}"/>
+                <a16:creationId xmlns:a16="http://schemas.microsoft.com/office/drawing/2014/main" id="{AD4124CA-F5ED-ED9D-485C-F3FB56A14C33}"/>
               </a:ext>
             </a:extLst>
           </p:cNvPr>
@@ -1185,7 +1185,7 @@
           <a:bodyPr/>
           <a:lstStyle/>
           <a:p>
-            <a:fld id="{77863851-7215-471C-95A5-C7978BC4121C}" type="slidenum">
+            <a:fld id="{46FA37C2-F056-480C-83F2-A5F5B8CB7157}" type="slidenum">
               <a:rPr lang="zh-CN" altLang="en-US" smtClean="0"/>
               <a:t>‹#›</a:t>
             </a:fld>
@@ -1196,7 +1196,7 @@
     </p:spTree>
     <p:extLst>
       <p:ext uri="{BB962C8B-B14F-4D97-AF65-F5344CB8AC3E}">
-        <p14:creationId xmlns:p14="http://schemas.microsoft.com/office/powerpoint/2010/main" val="2456061553"/>
+        <p14:creationId xmlns:p14="http://schemas.microsoft.com/office/powerpoint/2010/main" val="49440344"/>
       </p:ext>
     </p:extLst>
   </p:cSld>
@@ -1228,7 +1228,7 @@
           <p:cNvPr id="2" name="标题 1">
             <a:extLst>
               <a:ext uri="{FF2B5EF4-FFF2-40B4-BE49-F238E27FC236}">
-                <a16:creationId xmlns:a16="http://schemas.microsoft.com/office/drawing/2014/main" id="{CB019BE8-AC95-9801-83B4-416AA359C0EB}"/>
+                <a16:creationId xmlns:a16="http://schemas.microsoft.com/office/drawing/2014/main" id="{7C2E6D8C-2CD2-16F2-595D-93645744001E}"/>
               </a:ext>
             </a:extLst>
           </p:cNvPr>
@@ -1256,7 +1256,7 @@
           <p:cNvPr id="3" name="内容占位符 2">
             <a:extLst>
               <a:ext uri="{FF2B5EF4-FFF2-40B4-BE49-F238E27FC236}">
-                <a16:creationId xmlns:a16="http://schemas.microsoft.com/office/drawing/2014/main" id="{200E2B16-88C1-A70B-FD9D-BAEFE38FD1E5}"/>
+                <a16:creationId xmlns:a16="http://schemas.microsoft.com/office/drawing/2014/main" id="{A7DFAF20-D9EC-92AC-EE00-FB477E07D6C9}"/>
               </a:ext>
             </a:extLst>
           </p:cNvPr>
@@ -1318,7 +1318,7 @@
           <p:cNvPr id="4" name="内容占位符 3">
             <a:extLst>
               <a:ext uri="{FF2B5EF4-FFF2-40B4-BE49-F238E27FC236}">
-                <a16:creationId xmlns:a16="http://schemas.microsoft.com/office/drawing/2014/main" id="{61DAEEBE-73DC-AD7D-7543-B5C07B3EF4F0}"/>
+                <a16:creationId xmlns:a16="http://schemas.microsoft.com/office/drawing/2014/main" id="{8BD2D974-200D-0701-29EE-C22AA3B3D199}"/>
               </a:ext>
             </a:extLst>
           </p:cNvPr>
@@ -1380,7 +1380,7 @@
           <p:cNvPr id="5" name="日期占位符 4">
             <a:extLst>
               <a:ext uri="{FF2B5EF4-FFF2-40B4-BE49-F238E27FC236}">
-                <a16:creationId xmlns:a16="http://schemas.microsoft.com/office/drawing/2014/main" id="{26BEC5D3-C99B-2B2B-1A46-DC3AECC7524A}"/>
+                <a16:creationId xmlns:a16="http://schemas.microsoft.com/office/drawing/2014/main" id="{4CA66650-D89C-C79D-D455-13A526E62613}"/>
               </a:ext>
             </a:extLst>
           </p:cNvPr>
@@ -1396,7 +1396,7 @@
           <a:bodyPr/>
           <a:lstStyle/>
           <a:p>
-            <a:fld id="{78E1C595-4D8D-4B05-83A3-491B09037803}" type="datetimeFigureOut">
+            <a:fld id="{2B7E610A-CD2C-4005-B08F-4673F6D8ACC2}" type="datetimeFigureOut">
               <a:rPr lang="zh-CN" altLang="en-US" smtClean="0"/>
               <a:t>2024/3/10</a:t>
             </a:fld>
@@ -1409,7 +1409,7 @@
           <p:cNvPr id="6" name="页脚占位符 5">
             <a:extLst>
               <a:ext uri="{FF2B5EF4-FFF2-40B4-BE49-F238E27FC236}">
-                <a16:creationId xmlns:a16="http://schemas.microsoft.com/office/drawing/2014/main" id="{0E741FA8-3DFC-3B0E-6339-E40FDEFD2398}"/>
+                <a16:creationId xmlns:a16="http://schemas.microsoft.com/office/drawing/2014/main" id="{D34ED4E0-8835-DC3A-3996-FC9F7DB72CAE}"/>
               </a:ext>
             </a:extLst>
           </p:cNvPr>
@@ -1434,7 +1434,7 @@
           <p:cNvPr id="7" name="灯片编号占位符 6">
             <a:extLst>
               <a:ext uri="{FF2B5EF4-FFF2-40B4-BE49-F238E27FC236}">
-                <a16:creationId xmlns:a16="http://schemas.microsoft.com/office/drawing/2014/main" id="{481479A3-1CFF-E078-5D0F-5AA154AF25AE}"/>
+                <a16:creationId xmlns:a16="http://schemas.microsoft.com/office/drawing/2014/main" id="{5E276508-FEB2-5DD0-B134-7D0681D957C9}"/>
               </a:ext>
             </a:extLst>
           </p:cNvPr>
@@ -1450,7 +1450,7 @@
           <a:bodyPr/>
           <a:lstStyle/>
           <a:p>
-            <a:fld id="{77863851-7215-471C-95A5-C7978BC4121C}" type="slidenum">
+            <a:fld id="{46FA37C2-F056-480C-83F2-A5F5B8CB7157}" type="slidenum">
               <a:rPr lang="zh-CN" altLang="en-US" smtClean="0"/>
               <a:t>‹#›</a:t>
             </a:fld>
@@ -1461,7 +1461,7 @@
     </p:spTree>
     <p:extLst>
       <p:ext uri="{BB962C8B-B14F-4D97-AF65-F5344CB8AC3E}">
-        <p14:creationId xmlns:p14="http://schemas.microsoft.com/office/powerpoint/2010/main" val="2215454679"/>
+        <p14:creationId xmlns:p14="http://schemas.microsoft.com/office/powerpoint/2010/main" val="4179806837"/>
       </p:ext>
     </p:extLst>
   </p:cSld>
@@ -1493,7 +1493,7 @@
           <p:cNvPr id="2" name="标题 1">
             <a:extLst>
               <a:ext uri="{FF2B5EF4-FFF2-40B4-BE49-F238E27FC236}">
-                <a16:creationId xmlns:a16="http://schemas.microsoft.com/office/drawing/2014/main" id="{1A6212D8-F93C-E65A-A1C1-B32691C76586}"/>
+                <a16:creationId xmlns:a16="http://schemas.microsoft.com/office/drawing/2014/main" id="{2367DC72-7302-FA89-6A3A-2EE1AC9C9BFC}"/>
               </a:ext>
             </a:extLst>
           </p:cNvPr>
@@ -1526,7 +1526,7 @@
           <p:cNvPr id="3" name="文本占位符 2">
             <a:extLst>
               <a:ext uri="{FF2B5EF4-FFF2-40B4-BE49-F238E27FC236}">
-                <a16:creationId xmlns:a16="http://schemas.microsoft.com/office/drawing/2014/main" id="{C86F2F10-74C1-4604-B179-49291FD560CA}"/>
+                <a16:creationId xmlns:a16="http://schemas.microsoft.com/office/drawing/2014/main" id="{F09B11CD-869F-7246-12AA-98E679E05577}"/>
               </a:ext>
             </a:extLst>
           </p:cNvPr>
@@ -1597,7 +1597,7 @@
           <p:cNvPr id="4" name="内容占位符 3">
             <a:extLst>
               <a:ext uri="{FF2B5EF4-FFF2-40B4-BE49-F238E27FC236}">
-                <a16:creationId xmlns:a16="http://schemas.microsoft.com/office/drawing/2014/main" id="{FD3CE3E6-03BC-5DC4-0EF7-D1D0944E17BE}"/>
+                <a16:creationId xmlns:a16="http://schemas.microsoft.com/office/drawing/2014/main" id="{AE9E248A-DEB1-1AEB-3D42-13837129B465}"/>
               </a:ext>
             </a:extLst>
           </p:cNvPr>
@@ -1659,7 +1659,7 @@
           <p:cNvPr id="5" name="文本占位符 4">
             <a:extLst>
               <a:ext uri="{FF2B5EF4-FFF2-40B4-BE49-F238E27FC236}">
-                <a16:creationId xmlns:a16="http://schemas.microsoft.com/office/drawing/2014/main" id="{4F4FF28F-71D9-4965-B0F0-7A8F7F6DC906}"/>
+                <a16:creationId xmlns:a16="http://schemas.microsoft.com/office/drawing/2014/main" id="{E4EE18F2-3AB1-AED4-365C-93A1E196B5DF}"/>
               </a:ext>
             </a:extLst>
           </p:cNvPr>
@@ -1730,7 +1730,7 @@
           <p:cNvPr id="6" name="内容占位符 5">
             <a:extLst>
               <a:ext uri="{FF2B5EF4-FFF2-40B4-BE49-F238E27FC236}">
-                <a16:creationId xmlns:a16="http://schemas.microsoft.com/office/drawing/2014/main" id="{96CB5985-B4A8-BD5B-4030-7B2453234966}"/>
+                <a16:creationId xmlns:a16="http://schemas.microsoft.com/office/drawing/2014/main" id="{80F52192-369B-CE1E-BA83-61695F43A4A4}"/>
               </a:ext>
             </a:extLst>
           </p:cNvPr>
@@ -1792,7 +1792,7 @@
           <p:cNvPr id="7" name="日期占位符 6">
             <a:extLst>
               <a:ext uri="{FF2B5EF4-FFF2-40B4-BE49-F238E27FC236}">
-                <a16:creationId xmlns:a16="http://schemas.microsoft.com/office/drawing/2014/main" id="{8C6CF9C6-A94B-4259-7565-BFB2D0797B2A}"/>
+                <a16:creationId xmlns:a16="http://schemas.microsoft.com/office/drawing/2014/main" id="{2B095E60-EE71-9DA4-D87A-FC9FE63D980C}"/>
               </a:ext>
             </a:extLst>
           </p:cNvPr>
@@ -1808,7 +1808,7 @@
           <a:bodyPr/>
           <a:lstStyle/>
           <a:p>
-            <a:fld id="{78E1C595-4D8D-4B05-83A3-491B09037803}" type="datetimeFigureOut">
+            <a:fld id="{2B7E610A-CD2C-4005-B08F-4673F6D8ACC2}" type="datetimeFigureOut">
               <a:rPr lang="zh-CN" altLang="en-US" smtClean="0"/>
               <a:t>2024/3/10</a:t>
             </a:fld>
@@ -1821,7 +1821,7 @@
           <p:cNvPr id="8" name="页脚占位符 7">
             <a:extLst>
               <a:ext uri="{FF2B5EF4-FFF2-40B4-BE49-F238E27FC236}">
-                <a16:creationId xmlns:a16="http://schemas.microsoft.com/office/drawing/2014/main" id="{46041CF0-38CE-F336-F8B6-4B2D603AA259}"/>
+                <a16:creationId xmlns:a16="http://schemas.microsoft.com/office/drawing/2014/main" id="{A5240D18-3F24-A949-5361-5D86518B1C27}"/>
               </a:ext>
             </a:extLst>
           </p:cNvPr>
@@ -1846,7 +1846,7 @@
           <p:cNvPr id="9" name="灯片编号占位符 8">
             <a:extLst>
               <a:ext uri="{FF2B5EF4-FFF2-40B4-BE49-F238E27FC236}">
-                <a16:creationId xmlns:a16="http://schemas.microsoft.com/office/drawing/2014/main" id="{F2ADB608-CC87-20FD-84BC-86812BC06B9B}"/>
+                <a16:creationId xmlns:a16="http://schemas.microsoft.com/office/drawing/2014/main" id="{C2AB2F1B-979B-A1C3-B429-743310838CD6}"/>
               </a:ext>
             </a:extLst>
           </p:cNvPr>
@@ -1862,7 +1862,7 @@
           <a:bodyPr/>
           <a:lstStyle/>
           <a:p>
-            <a:fld id="{77863851-7215-471C-95A5-C7978BC4121C}" type="slidenum">
+            <a:fld id="{46FA37C2-F056-480C-83F2-A5F5B8CB7157}" type="slidenum">
               <a:rPr lang="zh-CN" altLang="en-US" smtClean="0"/>
               <a:t>‹#›</a:t>
             </a:fld>
@@ -1873,7 +1873,7 @@
     </p:spTree>
     <p:extLst>
       <p:ext uri="{BB962C8B-B14F-4D97-AF65-F5344CB8AC3E}">
-        <p14:creationId xmlns:p14="http://schemas.microsoft.com/office/powerpoint/2010/main" val="3420617527"/>
+        <p14:creationId xmlns:p14="http://schemas.microsoft.com/office/powerpoint/2010/main" val="2259379317"/>
       </p:ext>
     </p:extLst>
   </p:cSld>
@@ -1905,7 +1905,7 @@
           <p:cNvPr id="2" name="标题 1">
             <a:extLst>
               <a:ext uri="{FF2B5EF4-FFF2-40B4-BE49-F238E27FC236}">
-                <a16:creationId xmlns:a16="http://schemas.microsoft.com/office/drawing/2014/main" id="{AAD71E59-05FD-3C0C-85A6-C89F5D404DA1}"/>
+                <a16:creationId xmlns:a16="http://schemas.microsoft.com/office/drawing/2014/main" id="{36933C9D-36E4-9E21-B47D-727EEE12071A}"/>
               </a:ext>
             </a:extLst>
           </p:cNvPr>
@@ -1933,7 +1933,7 @@
           <p:cNvPr id="3" name="日期占位符 2">
             <a:extLst>
               <a:ext uri="{FF2B5EF4-FFF2-40B4-BE49-F238E27FC236}">
-                <a16:creationId xmlns:a16="http://schemas.microsoft.com/office/drawing/2014/main" id="{CF9A1B60-3AD8-B3BF-1642-BB4ADF01FA2F}"/>
+                <a16:creationId xmlns:a16="http://schemas.microsoft.com/office/drawing/2014/main" id="{B913D72C-4A67-A337-D69F-8AE2CDBB4D78}"/>
               </a:ext>
             </a:extLst>
           </p:cNvPr>
@@ -1949,7 +1949,7 @@
           <a:bodyPr/>
           <a:lstStyle/>
           <a:p>
-            <a:fld id="{78E1C595-4D8D-4B05-83A3-491B09037803}" type="datetimeFigureOut">
+            <a:fld id="{2B7E610A-CD2C-4005-B08F-4673F6D8ACC2}" type="datetimeFigureOut">
               <a:rPr lang="zh-CN" altLang="en-US" smtClean="0"/>
               <a:t>2024/3/10</a:t>
             </a:fld>
@@ -1962,7 +1962,7 @@
           <p:cNvPr id="4" name="页脚占位符 3">
             <a:extLst>
               <a:ext uri="{FF2B5EF4-FFF2-40B4-BE49-F238E27FC236}">
-                <a16:creationId xmlns:a16="http://schemas.microsoft.com/office/drawing/2014/main" id="{63477AC2-1F39-575E-421D-B63887751A5D}"/>
+                <a16:creationId xmlns:a16="http://schemas.microsoft.com/office/drawing/2014/main" id="{E97FA6BD-4302-9F1A-ABF5-79B9E9F8C432}"/>
               </a:ext>
             </a:extLst>
           </p:cNvPr>
@@ -1987,7 +1987,7 @@
           <p:cNvPr id="5" name="灯片编号占位符 4">
             <a:extLst>
               <a:ext uri="{FF2B5EF4-FFF2-40B4-BE49-F238E27FC236}">
-                <a16:creationId xmlns:a16="http://schemas.microsoft.com/office/drawing/2014/main" id="{780DEDB5-A396-CEC2-AF45-123D0B6B5EC7}"/>
+                <a16:creationId xmlns:a16="http://schemas.microsoft.com/office/drawing/2014/main" id="{E0A5B9C3-CC97-C0DF-9766-9262F4CDFC89}"/>
               </a:ext>
             </a:extLst>
           </p:cNvPr>
@@ -2003,7 +2003,7 @@
           <a:bodyPr/>
           <a:lstStyle/>
           <a:p>
-            <a:fld id="{77863851-7215-471C-95A5-C7978BC4121C}" type="slidenum">
+            <a:fld id="{46FA37C2-F056-480C-83F2-A5F5B8CB7157}" type="slidenum">
               <a:rPr lang="zh-CN" altLang="en-US" smtClean="0"/>
               <a:t>‹#›</a:t>
             </a:fld>
@@ -2014,7 +2014,7 @@
     </p:spTree>
     <p:extLst>
       <p:ext uri="{BB962C8B-B14F-4D97-AF65-F5344CB8AC3E}">
-        <p14:creationId xmlns:p14="http://schemas.microsoft.com/office/powerpoint/2010/main" val="3017189072"/>
+        <p14:creationId xmlns:p14="http://schemas.microsoft.com/office/powerpoint/2010/main" val="2046858051"/>
       </p:ext>
     </p:extLst>
   </p:cSld>
@@ -2046,7 +2046,7 @@
           <p:cNvPr id="2" name="日期占位符 1">
             <a:extLst>
               <a:ext uri="{FF2B5EF4-FFF2-40B4-BE49-F238E27FC236}">
-                <a16:creationId xmlns:a16="http://schemas.microsoft.com/office/drawing/2014/main" id="{5366D747-0543-F326-DF27-0D33C17377E8}"/>
+                <a16:creationId xmlns:a16="http://schemas.microsoft.com/office/drawing/2014/main" id="{BA339A36-82EC-4791-6587-5B78A89F14DF}"/>
               </a:ext>
             </a:extLst>
           </p:cNvPr>
@@ -2062,7 +2062,7 @@
           <a:bodyPr/>
           <a:lstStyle/>
           <a:p>
-            <a:fld id="{78E1C595-4D8D-4B05-83A3-491B09037803}" type="datetimeFigureOut">
+            <a:fld id="{2B7E610A-CD2C-4005-B08F-4673F6D8ACC2}" type="datetimeFigureOut">
               <a:rPr lang="zh-CN" altLang="en-US" smtClean="0"/>
               <a:t>2024/3/10</a:t>
             </a:fld>
@@ -2075,7 +2075,7 @@
           <p:cNvPr id="3" name="页脚占位符 2">
             <a:extLst>
               <a:ext uri="{FF2B5EF4-FFF2-40B4-BE49-F238E27FC236}">
-                <a16:creationId xmlns:a16="http://schemas.microsoft.com/office/drawing/2014/main" id="{0A7CB105-017E-5E60-B864-A9A8A9E2FD45}"/>
+                <a16:creationId xmlns:a16="http://schemas.microsoft.com/office/drawing/2014/main" id="{E4362E2C-5504-7200-632E-CB5FA94F59D7}"/>
               </a:ext>
             </a:extLst>
           </p:cNvPr>
@@ -2100,7 +2100,7 @@
           <p:cNvPr id="4" name="灯片编号占位符 3">
             <a:extLst>
               <a:ext uri="{FF2B5EF4-FFF2-40B4-BE49-F238E27FC236}">
-                <a16:creationId xmlns:a16="http://schemas.microsoft.com/office/drawing/2014/main" id="{8DDE8A68-706D-FD08-03ED-0326D94BC5B8}"/>
+                <a16:creationId xmlns:a16="http://schemas.microsoft.com/office/drawing/2014/main" id="{4CFE04F3-8650-4FCC-192C-BADE8BC73DBF}"/>
               </a:ext>
             </a:extLst>
           </p:cNvPr>
@@ -2116,7 +2116,7 @@
           <a:bodyPr/>
           <a:lstStyle/>
           <a:p>
-            <a:fld id="{77863851-7215-471C-95A5-C7978BC4121C}" type="slidenum">
+            <a:fld id="{46FA37C2-F056-480C-83F2-A5F5B8CB7157}" type="slidenum">
               <a:rPr lang="zh-CN" altLang="en-US" smtClean="0"/>
               <a:t>‹#›</a:t>
             </a:fld>
@@ -2127,7 +2127,7 @@
     </p:spTree>
     <p:extLst>
       <p:ext uri="{BB962C8B-B14F-4D97-AF65-F5344CB8AC3E}">
-        <p14:creationId xmlns:p14="http://schemas.microsoft.com/office/powerpoint/2010/main" val="2177819851"/>
+        <p14:creationId xmlns:p14="http://schemas.microsoft.com/office/powerpoint/2010/main" val="3990346936"/>
       </p:ext>
     </p:extLst>
   </p:cSld>
@@ -2159,7 +2159,7 @@
           <p:cNvPr id="2" name="标题 1">
             <a:extLst>
               <a:ext uri="{FF2B5EF4-FFF2-40B4-BE49-F238E27FC236}">
-                <a16:creationId xmlns:a16="http://schemas.microsoft.com/office/drawing/2014/main" id="{3C679D83-8E6D-E0BB-FCE7-C4176463B806}"/>
+                <a16:creationId xmlns:a16="http://schemas.microsoft.com/office/drawing/2014/main" id="{7CBDB46B-5C3A-C1B9-6F29-43A5A9D333D7}"/>
               </a:ext>
             </a:extLst>
           </p:cNvPr>
@@ -2196,7 +2196,7 @@
           <p:cNvPr id="3" name="内容占位符 2">
             <a:extLst>
               <a:ext uri="{FF2B5EF4-FFF2-40B4-BE49-F238E27FC236}">
-                <a16:creationId xmlns:a16="http://schemas.microsoft.com/office/drawing/2014/main" id="{EBEC903D-8876-F6DE-3954-14CF27DE2BF9}"/>
+                <a16:creationId xmlns:a16="http://schemas.microsoft.com/office/drawing/2014/main" id="{3E71568C-C282-778E-97EC-DAC2B7BF71BB}"/>
               </a:ext>
             </a:extLst>
           </p:cNvPr>
@@ -2286,7 +2286,7 @@
           <p:cNvPr id="4" name="文本占位符 3">
             <a:extLst>
               <a:ext uri="{FF2B5EF4-FFF2-40B4-BE49-F238E27FC236}">
-                <a16:creationId xmlns:a16="http://schemas.microsoft.com/office/drawing/2014/main" id="{35065255-8C04-9928-D776-71C2BC934057}"/>
+                <a16:creationId xmlns:a16="http://schemas.microsoft.com/office/drawing/2014/main" id="{02A8A28B-6D90-DDBD-BC25-40659DB82930}"/>
               </a:ext>
             </a:extLst>
           </p:cNvPr>
@@ -2357,7 +2357,7 @@
           <p:cNvPr id="5" name="日期占位符 4">
             <a:extLst>
               <a:ext uri="{FF2B5EF4-FFF2-40B4-BE49-F238E27FC236}">
-                <a16:creationId xmlns:a16="http://schemas.microsoft.com/office/drawing/2014/main" id="{3A68A4E8-66A9-9DF9-331F-C376290F3E90}"/>
+                <a16:creationId xmlns:a16="http://schemas.microsoft.com/office/drawing/2014/main" id="{87B8758C-35FB-E3FA-B7A5-6F123B186D89}"/>
               </a:ext>
             </a:extLst>
           </p:cNvPr>
@@ -2373,7 +2373,7 @@
           <a:bodyPr/>
           <a:lstStyle/>
           <a:p>
-            <a:fld id="{78E1C595-4D8D-4B05-83A3-491B09037803}" type="datetimeFigureOut">
+            <a:fld id="{2B7E610A-CD2C-4005-B08F-4673F6D8ACC2}" type="datetimeFigureOut">
               <a:rPr lang="zh-CN" altLang="en-US" smtClean="0"/>
               <a:t>2024/3/10</a:t>
             </a:fld>
@@ -2386,7 +2386,7 @@
           <p:cNvPr id="6" name="页脚占位符 5">
             <a:extLst>
               <a:ext uri="{FF2B5EF4-FFF2-40B4-BE49-F238E27FC236}">
-                <a16:creationId xmlns:a16="http://schemas.microsoft.com/office/drawing/2014/main" id="{3FB402A2-2A14-D347-2750-1B06947EA54C}"/>
+                <a16:creationId xmlns:a16="http://schemas.microsoft.com/office/drawing/2014/main" id="{A6AEB149-0274-BB67-FB09-0B99D0AEEEF3}"/>
               </a:ext>
             </a:extLst>
           </p:cNvPr>
@@ -2411,7 +2411,7 @@
           <p:cNvPr id="7" name="灯片编号占位符 6">
             <a:extLst>
               <a:ext uri="{FF2B5EF4-FFF2-40B4-BE49-F238E27FC236}">
-                <a16:creationId xmlns:a16="http://schemas.microsoft.com/office/drawing/2014/main" id="{54700D90-525E-DDF9-DD77-7765D61C0816}"/>
+                <a16:creationId xmlns:a16="http://schemas.microsoft.com/office/drawing/2014/main" id="{98FE5C54-17FD-DC72-375C-1153EA97B21C}"/>
               </a:ext>
             </a:extLst>
           </p:cNvPr>
@@ -2427,7 +2427,7 @@
           <a:bodyPr/>
           <a:lstStyle/>
           <a:p>
-            <a:fld id="{77863851-7215-471C-95A5-C7978BC4121C}" type="slidenum">
+            <a:fld id="{46FA37C2-F056-480C-83F2-A5F5B8CB7157}" type="slidenum">
               <a:rPr lang="zh-CN" altLang="en-US" smtClean="0"/>
               <a:t>‹#›</a:t>
             </a:fld>
@@ -2438,7 +2438,7 @@
     </p:spTree>
     <p:extLst>
       <p:ext uri="{BB962C8B-B14F-4D97-AF65-F5344CB8AC3E}">
-        <p14:creationId xmlns:p14="http://schemas.microsoft.com/office/powerpoint/2010/main" val="710051601"/>
+        <p14:creationId xmlns:p14="http://schemas.microsoft.com/office/powerpoint/2010/main" val="791548292"/>
       </p:ext>
     </p:extLst>
   </p:cSld>
@@ -2470,7 +2470,7 @@
           <p:cNvPr id="2" name="标题 1">
             <a:extLst>
               <a:ext uri="{FF2B5EF4-FFF2-40B4-BE49-F238E27FC236}">
-                <a16:creationId xmlns:a16="http://schemas.microsoft.com/office/drawing/2014/main" id="{1014B7AB-A65F-E932-C952-4C1FBBB5C570}"/>
+                <a16:creationId xmlns:a16="http://schemas.microsoft.com/office/drawing/2014/main" id="{33F01CA0-2E6B-29A8-E20A-5500DB5E02D2}"/>
               </a:ext>
             </a:extLst>
           </p:cNvPr>
@@ -2507,7 +2507,7 @@
           <p:cNvPr id="3" name="图片占位符 2">
             <a:extLst>
               <a:ext uri="{FF2B5EF4-FFF2-40B4-BE49-F238E27FC236}">
-                <a16:creationId xmlns:a16="http://schemas.microsoft.com/office/drawing/2014/main" id="{CB68CA4C-5D78-FE98-F4EE-B822F3D76A67}"/>
+                <a16:creationId xmlns:a16="http://schemas.microsoft.com/office/drawing/2014/main" id="{F52FEB69-7C2B-70B0-091D-09695116D346}"/>
               </a:ext>
             </a:extLst>
           </p:cNvPr>
@@ -2574,7 +2574,7 @@
           <p:cNvPr id="4" name="文本占位符 3">
             <a:extLst>
               <a:ext uri="{FF2B5EF4-FFF2-40B4-BE49-F238E27FC236}">
-                <a16:creationId xmlns:a16="http://schemas.microsoft.com/office/drawing/2014/main" id="{54C6CC1A-79C2-9717-1A5B-7D798189A2B6}"/>
+                <a16:creationId xmlns:a16="http://schemas.microsoft.com/office/drawing/2014/main" id="{5D62DA2A-E645-3998-4EBA-AB6F71D67C78}"/>
               </a:ext>
             </a:extLst>
           </p:cNvPr>
@@ -2645,7 +2645,7 @@
           <p:cNvPr id="5" name="日期占位符 4">
             <a:extLst>
               <a:ext uri="{FF2B5EF4-FFF2-40B4-BE49-F238E27FC236}">
-                <a16:creationId xmlns:a16="http://schemas.microsoft.com/office/drawing/2014/main" id="{BC6A33C8-E690-62BD-E062-4697E855F923}"/>
+                <a16:creationId xmlns:a16="http://schemas.microsoft.com/office/drawing/2014/main" id="{0CF7557D-20F6-5C44-A47C-8B0E9407B6DD}"/>
               </a:ext>
             </a:extLst>
           </p:cNvPr>
@@ -2661,7 +2661,7 @@
           <a:bodyPr/>
           <a:lstStyle/>
           <a:p>
-            <a:fld id="{78E1C595-4D8D-4B05-83A3-491B09037803}" type="datetimeFigureOut">
+            <a:fld id="{2B7E610A-CD2C-4005-B08F-4673F6D8ACC2}" type="datetimeFigureOut">
               <a:rPr lang="zh-CN" altLang="en-US" smtClean="0"/>
               <a:t>2024/3/10</a:t>
             </a:fld>
@@ -2674,7 +2674,7 @@
           <p:cNvPr id="6" name="页脚占位符 5">
             <a:extLst>
               <a:ext uri="{FF2B5EF4-FFF2-40B4-BE49-F238E27FC236}">
-                <a16:creationId xmlns:a16="http://schemas.microsoft.com/office/drawing/2014/main" id="{19B118E0-B80D-CA38-BCE4-ECC0436C245E}"/>
+                <a16:creationId xmlns:a16="http://schemas.microsoft.com/office/drawing/2014/main" id="{14DEEE55-E3E5-A1F5-CB67-64D2A54824BC}"/>
               </a:ext>
             </a:extLst>
           </p:cNvPr>
@@ -2699,7 +2699,7 @@
           <p:cNvPr id="7" name="灯片编号占位符 6">
             <a:extLst>
               <a:ext uri="{FF2B5EF4-FFF2-40B4-BE49-F238E27FC236}">
-                <a16:creationId xmlns:a16="http://schemas.microsoft.com/office/drawing/2014/main" id="{4C65BA60-1616-93B2-ABA8-15EBEA789722}"/>
+                <a16:creationId xmlns:a16="http://schemas.microsoft.com/office/drawing/2014/main" id="{E5397E3F-844F-AC52-D6C9-27ED83CB68B6}"/>
               </a:ext>
             </a:extLst>
           </p:cNvPr>
@@ -2715,7 +2715,7 @@
           <a:bodyPr/>
           <a:lstStyle/>
           <a:p>
-            <a:fld id="{77863851-7215-471C-95A5-C7978BC4121C}" type="slidenum">
+            <a:fld id="{46FA37C2-F056-480C-83F2-A5F5B8CB7157}" type="slidenum">
               <a:rPr lang="zh-CN" altLang="en-US" smtClean="0"/>
               <a:t>‹#›</a:t>
             </a:fld>
@@ -2726,7 +2726,7 @@
     </p:spTree>
     <p:extLst>
       <p:ext uri="{BB962C8B-B14F-4D97-AF65-F5344CB8AC3E}">
-        <p14:creationId xmlns:p14="http://schemas.microsoft.com/office/powerpoint/2010/main" val="1861640368"/>
+        <p14:creationId xmlns:p14="http://schemas.microsoft.com/office/powerpoint/2010/main" val="2941537552"/>
       </p:ext>
     </p:extLst>
   </p:cSld>
@@ -2763,7 +2763,7 @@
           <p:cNvPr id="2" name="标题占位符 1">
             <a:extLst>
               <a:ext uri="{FF2B5EF4-FFF2-40B4-BE49-F238E27FC236}">
-                <a16:creationId xmlns:a16="http://schemas.microsoft.com/office/drawing/2014/main" id="{0C3A611D-BFB1-EEA6-F11F-CAB8BB1CE23C}"/>
+                <a16:creationId xmlns:a16="http://schemas.microsoft.com/office/drawing/2014/main" id="{5345292A-0E7A-DB36-BC1D-D46BA91C9D67}"/>
               </a:ext>
             </a:extLst>
           </p:cNvPr>
@@ -2801,7 +2801,7 @@
           <p:cNvPr id="3" name="文本占位符 2">
             <a:extLst>
               <a:ext uri="{FF2B5EF4-FFF2-40B4-BE49-F238E27FC236}">
-                <a16:creationId xmlns:a16="http://schemas.microsoft.com/office/drawing/2014/main" id="{80F9F844-0B65-C279-94DD-F1CBEA4E208F}"/>
+                <a16:creationId xmlns:a16="http://schemas.microsoft.com/office/drawing/2014/main" id="{AC89A8A4-C684-1D5B-D799-A98F0DD9CEC8}"/>
               </a:ext>
             </a:extLst>
           </p:cNvPr>
@@ -2868,7 +2868,7 @@
           <p:cNvPr id="4" name="日期占位符 3">
             <a:extLst>
               <a:ext uri="{FF2B5EF4-FFF2-40B4-BE49-F238E27FC236}">
-                <a16:creationId xmlns:a16="http://schemas.microsoft.com/office/drawing/2014/main" id="{70649D92-513A-C98C-929E-7A7B3A8F9C7A}"/>
+                <a16:creationId xmlns:a16="http://schemas.microsoft.com/office/drawing/2014/main" id="{6B31713D-A0BB-1AE3-54C8-6D57016B35C0}"/>
               </a:ext>
             </a:extLst>
           </p:cNvPr>
@@ -2902,7 +2902,7 @@
             </a:lvl1pPr>
           </a:lstStyle>
           <a:p>
-            <a:fld id="{78E1C595-4D8D-4B05-83A3-491B09037803}" type="datetimeFigureOut">
+            <a:fld id="{2B7E610A-CD2C-4005-B08F-4673F6D8ACC2}" type="datetimeFigureOut">
               <a:rPr lang="zh-CN" altLang="en-US" smtClean="0"/>
               <a:t>2024/3/10</a:t>
             </a:fld>
@@ -2915,7 +2915,7 @@
           <p:cNvPr id="5" name="页脚占位符 4">
             <a:extLst>
               <a:ext uri="{FF2B5EF4-FFF2-40B4-BE49-F238E27FC236}">
-                <a16:creationId xmlns:a16="http://schemas.microsoft.com/office/drawing/2014/main" id="{25A886D6-AD05-4810-B699-66C5B5286C8C}"/>
+                <a16:creationId xmlns:a16="http://schemas.microsoft.com/office/drawing/2014/main" id="{27811E1D-F3AD-15B6-73DB-510C8F23FC9B}"/>
               </a:ext>
             </a:extLst>
           </p:cNvPr>
@@ -2958,7 +2958,7 @@
           <p:cNvPr id="6" name="灯片编号占位符 5">
             <a:extLst>
               <a:ext uri="{FF2B5EF4-FFF2-40B4-BE49-F238E27FC236}">
-                <a16:creationId xmlns:a16="http://schemas.microsoft.com/office/drawing/2014/main" id="{9FF03988-ACE2-0D18-89A3-BD9B865D4DB6}"/>
+                <a16:creationId xmlns:a16="http://schemas.microsoft.com/office/drawing/2014/main" id="{CAFF0711-AA42-045D-88B3-385BCE8A99B2}"/>
               </a:ext>
             </a:extLst>
           </p:cNvPr>
@@ -2992,7 +2992,7 @@
             </a:lvl1pPr>
           </a:lstStyle>
           <a:p>
-            <a:fld id="{77863851-7215-471C-95A5-C7978BC4121C}" type="slidenum">
+            <a:fld id="{46FA37C2-F056-480C-83F2-A5F5B8CB7157}" type="slidenum">
               <a:rPr lang="zh-CN" altLang="en-US" smtClean="0"/>
               <a:t>‹#›</a:t>
             </a:fld>
@@ -3003,7 +3003,7 @@
     </p:spTree>
     <p:extLst>
       <p:ext uri="{BB962C8B-B14F-4D97-AF65-F5344CB8AC3E}">
-        <p14:creationId xmlns:p14="http://schemas.microsoft.com/office/powerpoint/2010/main" val="3989695322"/>
+        <p14:creationId xmlns:p14="http://schemas.microsoft.com/office/powerpoint/2010/main" val="3899130787"/>
       </p:ext>
     </p:extLst>
   </p:cSld>
